--- a/doc/presentation2/Friendly wallet2.pptx
+++ b/doc/presentation2/Friendly wallet2.pptx
@@ -3907,11 +3907,7 @@
           <a:p>
             <a:r>
               <a:rPr lang="ru-RU" dirty="0" smtClean="0"/>
-              <a:t>Верстка </a:t>
-            </a:r>
-            <a:r>
-              <a:rPr lang="ru-RU" dirty="0" smtClean="0"/>
-              <a:t>страниц</a:t>
+              <a:t>Верстка страниц</a:t>
             </a:r>
           </a:p>
           <a:p>
@@ -3929,11 +3925,7 @@
             </a:pPr>
             <a:r>
               <a:rPr lang="ru-RU" dirty="0" smtClean="0"/>
-              <a:t>Изменение профил</a:t>
-            </a:r>
-            <a:r>
-              <a:rPr lang="ru-RU" dirty="0" smtClean="0"/>
-              <a:t>я</a:t>
+              <a:t>Изменение профиля</a:t>
             </a:r>
           </a:p>
           <a:p>
@@ -3944,7 +3936,6 @@
               <a:rPr lang="ru-RU" dirty="0" smtClean="0"/>
               <a:t>Список участников группы</a:t>
             </a:r>
-            <a:endParaRPr lang="ru-RU" dirty="0" smtClean="0"/>
           </a:p>
           <a:p>
             <a:pPr marL="548640" lvl="2" indent="0">
@@ -4167,15 +4158,7 @@
           <a:p>
             <a:r>
               <a:rPr lang="ru-RU" dirty="0" smtClean="0"/>
-              <a:t>С</a:t>
-            </a:r>
-            <a:r>
-              <a:rPr lang="ru-RU" dirty="0" smtClean="0"/>
-              <a:t>огласование </a:t>
-            </a:r>
-            <a:r>
-              <a:rPr lang="ru-RU" dirty="0" smtClean="0"/>
-              <a:t>требований</a:t>
+              <a:t>Согласование требований</a:t>
             </a:r>
           </a:p>
           <a:p>
@@ -4222,7 +4205,6 @@
               <a:rPr lang="ru-RU" dirty="0" smtClean="0"/>
               <a:t>Разработка структуры БД</a:t>
             </a:r>
-            <a:endParaRPr lang="ru-RU" dirty="0" smtClean="0"/>
           </a:p>
           <a:p>
             <a:pPr marL="0" indent="0">
@@ -4255,11 +4237,7 @@
             </a:r>
             <a:r>
               <a:rPr lang="en-US" dirty="0" smtClean="0"/>
-              <a:t> </a:t>
-            </a:r>
-            <a:r>
-              <a:rPr lang="en-US" dirty="0" smtClean="0"/>
-              <a:t>commits </a:t>
+              <a:t> commits </a:t>
             </a:r>
             <a:r>
               <a:rPr lang="en-US" dirty="0">
@@ -4786,15 +4764,7 @@
             </a:pPr>
             <a:r>
               <a:rPr lang="ru-RU" dirty="0" smtClean="0"/>
-              <a:t>Некоторые разделы содержат устаревшую </a:t>
-            </a:r>
-            <a:r>
-              <a:rPr lang="ru-RU" dirty="0" smtClean="0"/>
-              <a:t>или </a:t>
-            </a:r>
-            <a:r>
-              <a:rPr lang="ru-RU" dirty="0" smtClean="0"/>
-              <a:t>противоречивую информацию.</a:t>
+              <a:t>Некоторые разделы содержат устаревшую или противоречивую информацию.</a:t>
             </a:r>
           </a:p>
           <a:p>
@@ -4812,11 +4782,7 @@
             </a:pPr>
             <a:r>
               <a:rPr lang="ru-RU" u="sng" dirty="0" smtClean="0"/>
-              <a:t>Некоторая документация представлена в неформальном виде</a:t>
-            </a:r>
-            <a:r>
-              <a:rPr lang="ru-RU" u="sng" dirty="0" smtClean="0"/>
-              <a:t>.</a:t>
+              <a:t>Некоторая документация представлена в неформальном виде.</a:t>
             </a:r>
             <a:endParaRPr lang="ru-RU" dirty="0" smtClean="0">
               <a:solidFill>
@@ -4999,7 +4965,6 @@
               <a:rPr lang="ru-RU" dirty="0" smtClean="0"/>
               <a:t>на клиенте (3 метода)</a:t>
             </a:r>
-            <a:endParaRPr lang="ru-RU" dirty="0" smtClean="0"/>
           </a:p>
         </p:txBody>
       </p:sp>
@@ -5082,11 +5047,7 @@
           <a:p>
             <a:r>
               <a:rPr lang="ru-RU" dirty="0" smtClean="0"/>
-              <a:t>Завершение верстки </a:t>
-            </a:r>
-            <a:r>
-              <a:rPr lang="ru-RU" dirty="0" smtClean="0"/>
-              <a:t>веб-интерфейса</a:t>
+              <a:t>Завершение верстки веб-интерфейса</a:t>
             </a:r>
           </a:p>
           <a:p>
@@ -5117,7 +5078,6 @@
               <a:rPr lang="ru-RU" u="sng" dirty="0" smtClean="0"/>
               <a:t>Завершение проекта</a:t>
             </a:r>
-            <a:endParaRPr lang="ru-RU" u="sng" dirty="0" smtClean="0"/>
           </a:p>
           <a:p>
             <a:pPr marL="0" indent="0">
@@ -5278,7 +5238,7 @@
       </p:sp>
       <p:pic>
         <p:nvPicPr>
-          <p:cNvPr id="5" name="Объект 4"/>
+          <p:cNvPr id="3" name="Объект 2"/>
           <p:cNvPicPr>
             <a:picLocks noGrp="1" noChangeAspect="1"/>
           </p:cNvPicPr>
@@ -5300,8 +5260,8 @@
         </p:blipFill>
         <p:spPr>
           <a:xfrm>
-            <a:off x="-3583" y="1412776"/>
-            <a:ext cx="9147583" cy="4669244"/>
+            <a:off x="0" y="1587424"/>
+            <a:ext cx="9144000" cy="4667416"/>
           </a:xfrm>
         </p:spPr>
       </p:pic>
@@ -5998,7 +5958,6 @@
               <a:rPr lang="ru-RU" dirty="0" smtClean="0"/>
               <a:t>)</a:t>
             </a:r>
-            <a:endParaRPr lang="ru-RU" dirty="0" smtClean="0"/>
           </a:p>
           <a:p>
             <a:r>
@@ -6007,11 +5966,7 @@
             </a:r>
             <a:r>
               <a:rPr lang="ru-RU" dirty="0" smtClean="0"/>
-              <a:t> Санчес </a:t>
-            </a:r>
-            <a:r>
-              <a:rPr lang="ru-RU" dirty="0" smtClean="0"/>
-              <a:t>(</a:t>
+              <a:t> Санчес (</a:t>
             </a:r>
             <a:r>
               <a:rPr lang="en-US" dirty="0"/>
@@ -6541,11 +6496,7 @@
           <a:p>
             <a:r>
               <a:rPr lang="ru-RU" dirty="0" smtClean="0"/>
-              <a:t>Развертка </a:t>
-            </a:r>
-            <a:r>
-              <a:rPr lang="ru-RU" dirty="0" smtClean="0"/>
-              <a:t>сервера</a:t>
+              <a:t>Развертка сервера</a:t>
             </a:r>
           </a:p>
           <a:p>
@@ -6561,21 +6512,47 @@
             <a:pPr marL="548640" lvl="2" indent="0">
               <a:buNone/>
             </a:pPr>
+            <a:r>
+              <a:rPr lang="ru-RU" dirty="0" smtClean="0"/>
+              <a:t>Присоединение сертификата к </a:t>
+            </a:r>
+            <a:r>
+              <a:rPr lang="en-US" dirty="0" smtClean="0"/>
+              <a:t>java</a:t>
+            </a:r>
+            <a:r>
+              <a:rPr lang="ru-RU" dirty="0" smtClean="0"/>
+              <a:t> приложению</a:t>
+            </a:r>
+            <a:endParaRPr lang="ru-RU" dirty="0" smtClean="0"/>
+          </a:p>
+          <a:p>
+            <a:r>
+              <a:rPr lang="ru-RU" dirty="0" smtClean="0"/>
+              <a:t>Создание </a:t>
+            </a:r>
             <a:r>
               <a:rPr lang="en-US" dirty="0" smtClean="0"/>
               <a:t>API</a:t>
             </a:r>
-            <a:r>
-              <a:rPr lang="ru-RU" dirty="0" smtClean="0"/>
-              <a:t> создания группы</a:t>
+          </a:p>
+          <a:p>
+            <a:pPr marL="548640" lvl="2" indent="0">
+              <a:buNone/>
+            </a:pPr>
+            <a:r>
+              <a:rPr lang="en-US" dirty="0"/>
+              <a:t>C</a:t>
+            </a:r>
+            <a:r>
+              <a:rPr lang="ru-RU" dirty="0" err="1" smtClean="0"/>
+              <a:t>оздание</a:t>
+            </a:r>
+            <a:r>
+              <a:rPr lang="ru-RU" dirty="0" smtClean="0"/>
+              <a:t> группы</a:t>
             </a:r>
             <a:endParaRPr lang="ru-RU" dirty="0" smtClean="0"/>
-          </a:p>
-          <a:p>
-            <a:r>
-              <a:rPr lang="ru-RU" dirty="0" smtClean="0"/>
-              <a:t>Исправление ошибки с сертификатом</a:t>
-            </a:r>
           </a:p>
           <a:p>
             <a:endParaRPr lang="ru-RU" dirty="0"/>
@@ -6798,11 +6775,7 @@
           <a:p>
             <a:r>
               <a:rPr lang="ru-RU" dirty="0" smtClean="0"/>
-              <a:t>Верстка </a:t>
-            </a:r>
-            <a:r>
-              <a:rPr lang="ru-RU" dirty="0" smtClean="0"/>
-              <a:t>страниц</a:t>
+              <a:t>Верстка страниц</a:t>
             </a:r>
           </a:p>
           <a:p>
@@ -6857,11 +6830,7 @@
             </a:r>
             <a:r>
               <a:rPr lang="en-US" dirty="0" smtClean="0"/>
-              <a:t> </a:t>
-            </a:r>
-            <a:r>
-              <a:rPr lang="en-US" dirty="0" smtClean="0"/>
-              <a:t>commits </a:t>
+              <a:t> commits </a:t>
             </a:r>
             <a:r>
               <a:rPr lang="en-US" dirty="0">
